--- a/IRIS1_MCU_V1.5-2/軸向說明.pptx
+++ b/IRIS1_MCU_V1.5-2/軸向說明.pptx
@@ -263,7 +263,7 @@
           <a:p>
             <a:fld id="{C6DC6E88-8268-41DF-AB70-3C6FB3488E03}" type="datetimeFigureOut">
               <a:rPr lang="zh-TW" altLang="en-US" smtClean="0"/>
-              <a:t>2025/9/15</a:t>
+              <a:t>2025/9/26</a:t>
             </a:fld>
             <a:endParaRPr lang="zh-TW" altLang="en-US"/>
           </a:p>
@@ -461,7 +461,7 @@
           <a:p>
             <a:fld id="{C6DC6E88-8268-41DF-AB70-3C6FB3488E03}" type="datetimeFigureOut">
               <a:rPr lang="zh-TW" altLang="en-US" smtClean="0"/>
-              <a:t>2025/9/15</a:t>
+              <a:t>2025/9/26</a:t>
             </a:fld>
             <a:endParaRPr lang="zh-TW" altLang="en-US"/>
           </a:p>
@@ -669,7 +669,7 @@
           <a:p>
             <a:fld id="{C6DC6E88-8268-41DF-AB70-3C6FB3488E03}" type="datetimeFigureOut">
               <a:rPr lang="zh-TW" altLang="en-US" smtClean="0"/>
-              <a:t>2025/9/15</a:t>
+              <a:t>2025/9/26</a:t>
             </a:fld>
             <a:endParaRPr lang="zh-TW" altLang="en-US"/>
           </a:p>
@@ -867,7 +867,7 @@
           <a:p>
             <a:fld id="{C6DC6E88-8268-41DF-AB70-3C6FB3488E03}" type="datetimeFigureOut">
               <a:rPr lang="zh-TW" altLang="en-US" smtClean="0"/>
-              <a:t>2025/9/15</a:t>
+              <a:t>2025/9/26</a:t>
             </a:fld>
             <a:endParaRPr lang="zh-TW" altLang="en-US"/>
           </a:p>
@@ -1142,7 +1142,7 @@
           <a:p>
             <a:fld id="{C6DC6E88-8268-41DF-AB70-3C6FB3488E03}" type="datetimeFigureOut">
               <a:rPr lang="zh-TW" altLang="en-US" smtClean="0"/>
-              <a:t>2025/9/15</a:t>
+              <a:t>2025/9/26</a:t>
             </a:fld>
             <a:endParaRPr lang="zh-TW" altLang="en-US"/>
           </a:p>
@@ -1407,7 +1407,7 @@
           <a:p>
             <a:fld id="{C6DC6E88-8268-41DF-AB70-3C6FB3488E03}" type="datetimeFigureOut">
               <a:rPr lang="zh-TW" altLang="en-US" smtClean="0"/>
-              <a:t>2025/9/15</a:t>
+              <a:t>2025/9/26</a:t>
             </a:fld>
             <a:endParaRPr lang="zh-TW" altLang="en-US"/>
           </a:p>
@@ -1819,7 +1819,7 @@
           <a:p>
             <a:fld id="{C6DC6E88-8268-41DF-AB70-3C6FB3488E03}" type="datetimeFigureOut">
               <a:rPr lang="zh-TW" altLang="en-US" smtClean="0"/>
-              <a:t>2025/9/15</a:t>
+              <a:t>2025/9/26</a:t>
             </a:fld>
             <a:endParaRPr lang="zh-TW" altLang="en-US"/>
           </a:p>
@@ -1960,7 +1960,7 @@
           <a:p>
             <a:fld id="{C6DC6E88-8268-41DF-AB70-3C6FB3488E03}" type="datetimeFigureOut">
               <a:rPr lang="zh-TW" altLang="en-US" smtClean="0"/>
-              <a:t>2025/9/15</a:t>
+              <a:t>2025/9/26</a:t>
             </a:fld>
             <a:endParaRPr lang="zh-TW" altLang="en-US"/>
           </a:p>
@@ -2073,7 +2073,7 @@
           <a:p>
             <a:fld id="{C6DC6E88-8268-41DF-AB70-3C6FB3488E03}" type="datetimeFigureOut">
               <a:rPr lang="zh-TW" altLang="en-US" smtClean="0"/>
-              <a:t>2025/9/15</a:t>
+              <a:t>2025/9/26</a:t>
             </a:fld>
             <a:endParaRPr lang="zh-TW" altLang="en-US"/>
           </a:p>
@@ -2384,7 +2384,7 @@
           <a:p>
             <a:fld id="{C6DC6E88-8268-41DF-AB70-3C6FB3488E03}" type="datetimeFigureOut">
               <a:rPr lang="zh-TW" altLang="en-US" smtClean="0"/>
-              <a:t>2025/9/15</a:t>
+              <a:t>2025/9/26</a:t>
             </a:fld>
             <a:endParaRPr lang="zh-TW" altLang="en-US"/>
           </a:p>
@@ -2672,7 +2672,7 @@
           <a:p>
             <a:fld id="{C6DC6E88-8268-41DF-AB70-3C6FB3488E03}" type="datetimeFigureOut">
               <a:rPr lang="zh-TW" altLang="en-US" smtClean="0"/>
-              <a:t>2025/9/15</a:t>
+              <a:t>2025/9/26</a:t>
             </a:fld>
             <a:endParaRPr lang="zh-TW" altLang="en-US"/>
           </a:p>
@@ -2913,7 +2913,7 @@
           <a:p>
             <a:fld id="{C6DC6E88-8268-41DF-AB70-3C6FB3488E03}" type="datetimeFigureOut">
               <a:rPr lang="zh-TW" altLang="en-US" smtClean="0"/>
-              <a:t>2025/9/15</a:t>
+              <a:t>2025/9/26</a:t>
             </a:fld>
             <a:endParaRPr lang="zh-TW" altLang="en-US"/>
           </a:p>
@@ -3434,14 +3434,14 @@
           <p:nvPr>
             <p:extLst>
               <p:ext uri="{D42A27DB-BD31-4B8C-83A1-F6EECF244321}">
-                <p14:modId xmlns:p14="http://schemas.microsoft.com/office/powerpoint/2010/main" val="1194225603"/>
+                <p14:modId xmlns:p14="http://schemas.microsoft.com/office/powerpoint/2010/main" val="336288054"/>
               </p:ext>
             </p:extLst>
           </p:nvPr>
         </p:nvGraphicFramePr>
         <p:xfrm>
-          <a:off x="1385957" y="530822"/>
-          <a:ext cx="8128000" cy="3408680"/>
+          <a:off x="1413949" y="288226"/>
+          <a:ext cx="8128000" cy="4297680"/>
         </p:xfrm>
         <a:graphic>
           <a:graphicData uri="http://schemas.openxmlformats.org/drawingml/2006/table">
@@ -3946,7 +3946,7 @@
                     <a:p>
                       <a:r>
                         <a:rPr lang="zh-TW" altLang="en-US" sz="1400" dirty="0"/>
-                        <a:t>實際安裝軸向</a:t>
+                        <a:t>實際組裝軸向</a:t>
                       </a:r>
                     </a:p>
                   </a:txBody>
@@ -4007,6 +4007,248 @@
                     <a:lstStyle/>
                     <a:p>
                       <a:r>
+                        <a:rPr lang="zh-TW" altLang="en-US" sz="1400" dirty="0"/>
+                        <a:t>對應</a:t>
+                      </a:r>
+                      <a:r>
+                        <a:rPr lang="zh-TW" altLang="en-US" sz="1400"/>
+                        <a:t>溫度計編號 與</a:t>
+                      </a:r>
+                      <a:endParaRPr lang="en-US" altLang="zh-TW" sz="1400" dirty="0"/>
+                    </a:p>
+                    <a:p>
+                      <a:r>
+                        <a:rPr lang="en-US" altLang="zh-TW" sz="1400" dirty="0"/>
+                        <a:t>FPGA</a:t>
+                      </a:r>
+                      <a:r>
+                        <a:rPr lang="zh-TW" altLang="en-US" sz="1400" dirty="0"/>
+                        <a:t> </a:t>
+                      </a:r>
+                      <a:r>
+                        <a:rPr lang="en-US" altLang="zh-TW" sz="1400" dirty="0"/>
+                        <a:t>reg</a:t>
+                      </a:r>
+                      <a:endParaRPr lang="zh-TW" altLang="en-US" sz="1400" dirty="0"/>
+                    </a:p>
+                  </a:txBody>
+                  <a:tcPr/>
+                </a:tc>
+                <a:tc>
+                  <a:txBody>
+                    <a:bodyPr/>
+                    <a:lstStyle/>
+                    <a:p>
+                      <a:pPr marL="0" marR="0" lvl="0" indent="0" algn="l" defTabSz="914400" rtl="0" eaLnBrk="1" fontAlgn="auto" latinLnBrk="0" hangingPunct="1">
+                        <a:lnSpc>
+                          <a:spcPct val="100000"/>
+                        </a:lnSpc>
+                        <a:spcBef>
+                          <a:spcPts val="0"/>
+                        </a:spcBef>
+                        <a:spcAft>
+                          <a:spcPts val="0"/>
+                        </a:spcAft>
+                        <a:buClrTx/>
+                        <a:buSzTx/>
+                        <a:buFontTx/>
+                        <a:buNone/>
+                        <a:tabLst/>
+                        <a:defRPr/>
+                      </a:pPr>
+                      <a:r>
+                        <a:rPr lang="en-US" altLang="zh-TW" sz="1400" dirty="0"/>
+                        <a:t>FOG_TEMP1</a:t>
+                      </a:r>
+                    </a:p>
+                    <a:p>
+                      <a:pPr marL="0" marR="0" lvl="0" indent="0" algn="l" defTabSz="914400" rtl="0" eaLnBrk="1" fontAlgn="auto" latinLnBrk="0" hangingPunct="1">
+                        <a:lnSpc>
+                          <a:spcPct val="100000"/>
+                        </a:lnSpc>
+                        <a:spcBef>
+                          <a:spcPts val="0"/>
+                        </a:spcBef>
+                        <a:spcAft>
+                          <a:spcPts val="0"/>
+                        </a:spcAft>
+                        <a:buClrTx/>
+                        <a:buSzTx/>
+                        <a:buFontTx/>
+                        <a:buNone/>
+                        <a:tabLst/>
+                        <a:defRPr/>
+                      </a:pPr>
+                      <a:r>
+                        <a:rPr lang="en-US" altLang="zh-TW" sz="1400" dirty="0"/>
+                        <a:t>temp_rdata_2</a:t>
+                      </a:r>
+                      <a:endParaRPr lang="zh-TW" altLang="en-US" sz="1400" dirty="0"/>
+                    </a:p>
+                  </a:txBody>
+                  <a:tcPr/>
+                </a:tc>
+                <a:tc>
+                  <a:txBody>
+                    <a:bodyPr/>
+                    <a:lstStyle/>
+                    <a:p>
+                      <a:r>
+                        <a:rPr lang="en-US" altLang="zh-TW" sz="1400" dirty="0"/>
+                        <a:t>FOG_TEMP3</a:t>
+                      </a:r>
+                    </a:p>
+                    <a:p>
+                      <a:r>
+                        <a:rPr lang="en-US" altLang="zh-TW" sz="1400" dirty="0"/>
+                        <a:t>temp_rdata_3</a:t>
+                      </a:r>
+                      <a:endParaRPr lang="zh-TW" altLang="en-US" sz="1400" dirty="0"/>
+                    </a:p>
+                  </a:txBody>
+                  <a:tcPr/>
+                </a:tc>
+                <a:tc>
+                  <a:txBody>
+                    <a:bodyPr/>
+                    <a:lstStyle/>
+                    <a:p>
+                      <a:pPr marL="0" marR="0" lvl="0" indent="0" algn="l" defTabSz="914400" rtl="0" eaLnBrk="1" fontAlgn="auto" latinLnBrk="0" hangingPunct="1">
+                        <a:lnSpc>
+                          <a:spcPct val="100000"/>
+                        </a:lnSpc>
+                        <a:spcBef>
+                          <a:spcPts val="0"/>
+                        </a:spcBef>
+                        <a:spcAft>
+                          <a:spcPts val="0"/>
+                        </a:spcAft>
+                        <a:buClrTx/>
+                        <a:buSzTx/>
+                        <a:buFontTx/>
+                        <a:buNone/>
+                        <a:tabLst/>
+                        <a:defRPr/>
+                      </a:pPr>
+                      <a:r>
+                        <a:rPr lang="en-US" altLang="zh-TW" sz="1400" dirty="0"/>
+                        <a:t>FOG_TEMP2</a:t>
+                      </a:r>
+                    </a:p>
+                    <a:p>
+                      <a:pPr marL="0" marR="0" lvl="0" indent="0" algn="l" defTabSz="914400" rtl="0" eaLnBrk="1" fontAlgn="auto" latinLnBrk="0" hangingPunct="1">
+                        <a:lnSpc>
+                          <a:spcPct val="100000"/>
+                        </a:lnSpc>
+                        <a:spcBef>
+                          <a:spcPts val="0"/>
+                        </a:spcBef>
+                        <a:spcAft>
+                          <a:spcPts val="0"/>
+                        </a:spcAft>
+                        <a:buClrTx/>
+                        <a:buSzTx/>
+                        <a:buFontTx/>
+                        <a:buNone/>
+                        <a:tabLst/>
+                        <a:defRPr/>
+                      </a:pPr>
+                      <a:r>
+                        <a:rPr lang="en-US" altLang="zh-TW" sz="1400" dirty="0"/>
+                        <a:t>temp_rdata_4</a:t>
+                      </a:r>
+                      <a:endParaRPr lang="zh-TW" altLang="en-US" sz="1400" dirty="0"/>
+                    </a:p>
+                  </a:txBody>
+                  <a:tcPr/>
+                </a:tc>
+                <a:extLst>
+                  <a:ext uri="{0D108BD9-81ED-4DB2-BD59-A6C34878D82A}">
+                    <a16:rowId xmlns:a16="http://schemas.microsoft.com/office/drawing/2014/main" val="2790192514"/>
+                  </a:ext>
+                </a:extLst>
+              </a:tr>
+              <a:tr h="370840">
+                <a:tc>
+                  <a:txBody>
+                    <a:bodyPr/>
+                    <a:lstStyle/>
+                    <a:p>
+                      <a:r>
+                        <a:rPr lang="en-US" altLang="zh-TW" sz="1400" dirty="0"/>
+                        <a:t>Sensor</a:t>
+                      </a:r>
+                      <a:r>
+                        <a:rPr lang="zh-TW" altLang="en-US" sz="1400" dirty="0"/>
+                        <a:t> 版</a:t>
+                      </a:r>
+                      <a:r>
+                        <a:rPr lang="en-US" altLang="zh-TW" sz="1400" dirty="0"/>
+                        <a:t> DAC</a:t>
+                      </a:r>
+                      <a:r>
+                        <a:rPr lang="zh-TW" altLang="en-US" sz="1400" dirty="0"/>
+                        <a:t>編號</a:t>
+                      </a:r>
+                    </a:p>
+                  </a:txBody>
+                  <a:tcPr/>
+                </a:tc>
+                <a:tc>
+                  <a:txBody>
+                    <a:bodyPr/>
+                    <a:lstStyle/>
+                    <a:p>
+                      <a:r>
+                        <a:rPr lang="en-US" altLang="zh-TW" sz="1400" dirty="0"/>
+                        <a:t>DAC1 </a:t>
+                      </a:r>
+                      <a:endParaRPr lang="zh-TW" altLang="en-US" sz="1400" dirty="0"/>
+                    </a:p>
+                  </a:txBody>
+                  <a:tcPr/>
+                </a:tc>
+                <a:tc>
+                  <a:txBody>
+                    <a:bodyPr/>
+                    <a:lstStyle/>
+                    <a:p>
+                      <a:r>
+                        <a:rPr lang="en-US" altLang="zh-TW" sz="1400" dirty="0"/>
+                        <a:t>DAC3</a:t>
+                      </a:r>
+                      <a:endParaRPr lang="zh-TW" altLang="en-US" sz="1400" dirty="0"/>
+                    </a:p>
+                  </a:txBody>
+                  <a:tcPr/>
+                </a:tc>
+                <a:tc>
+                  <a:txBody>
+                    <a:bodyPr/>
+                    <a:lstStyle/>
+                    <a:p>
+                      <a:r>
+                        <a:rPr lang="en-US" altLang="zh-TW" sz="1400" dirty="0"/>
+                        <a:t>DAC2</a:t>
+                      </a:r>
+                      <a:endParaRPr lang="zh-TW" altLang="en-US" sz="1400" dirty="0"/>
+                    </a:p>
+                  </a:txBody>
+                  <a:tcPr/>
+                </a:tc>
+                <a:extLst>
+                  <a:ext uri="{0D108BD9-81ED-4DB2-BD59-A6C34878D82A}">
+                    <a16:rowId xmlns:a16="http://schemas.microsoft.com/office/drawing/2014/main" val="2312875702"/>
+                  </a:ext>
+                </a:extLst>
+              </a:tr>
+              <a:tr h="370840">
+                <a:tc>
+                  <a:txBody>
+                    <a:bodyPr/>
+                    <a:lstStyle/>
+                    <a:p>
+                      <a:r>
                         <a:rPr lang="en-US" altLang="zh-TW" sz="1400" dirty="0"/>
                         <a:t>Dump fog </a:t>
                       </a:r>
@@ -4084,8 +4326,8 @@
         </p:nvSpPr>
         <p:spPr>
           <a:xfrm>
-            <a:off x="735496" y="3766931"/>
-            <a:ext cx="11151704" cy="2585323"/>
+            <a:off x="819471" y="4549676"/>
+            <a:ext cx="11151704" cy="2308324"/>
           </a:xfrm>
           <a:prstGeom prst="rect">
             <a:avLst/>
@@ -4286,11 +4528,6 @@
               <a:rPr lang="en-US" altLang="zh-TW" dirty="0"/>
               <a:t>()</a:t>
             </a:r>
-          </a:p>
-          <a:p>
-            <a:pPr marL="342900" indent="-342900">
-              <a:buAutoNum type="arabicPeriod"/>
-            </a:pPr>
             <a:endParaRPr lang="zh-TW" altLang="en-US" dirty="0"/>
           </a:p>
           <a:p>

--- a/IRIS1_MCU_V1.5-2/軸向說明.pptx
+++ b/IRIS1_MCU_V1.5-2/軸向說明.pptx
@@ -7,9 +7,8 @@
   <p:sldIdLst>
     <p:sldId id="256" r:id="rId2"/>
     <p:sldId id="257" r:id="rId3"/>
-    <p:sldId id="258" r:id="rId4"/>
-    <p:sldId id="259" r:id="rId5"/>
-    <p:sldId id="260" r:id="rId6"/>
+    <p:sldId id="259" r:id="rId4"/>
+    <p:sldId id="260" r:id="rId5"/>
   </p:sldIdLst>
   <p:sldSz cx="12192000" cy="6858000"/>
   <p:notesSz cx="6858000" cy="9144000"/>
@@ -263,7 +262,7 @@
           <a:p>
             <a:fld id="{C6DC6E88-8268-41DF-AB70-3C6FB3488E03}" type="datetimeFigureOut">
               <a:rPr lang="zh-TW" altLang="en-US" smtClean="0"/>
-              <a:t>2025/9/26</a:t>
+              <a:t>2025/10/28</a:t>
             </a:fld>
             <a:endParaRPr lang="zh-TW" altLang="en-US"/>
           </a:p>
@@ -461,7 +460,7 @@
           <a:p>
             <a:fld id="{C6DC6E88-8268-41DF-AB70-3C6FB3488E03}" type="datetimeFigureOut">
               <a:rPr lang="zh-TW" altLang="en-US" smtClean="0"/>
-              <a:t>2025/9/26</a:t>
+              <a:t>2025/10/28</a:t>
             </a:fld>
             <a:endParaRPr lang="zh-TW" altLang="en-US"/>
           </a:p>
@@ -669,7 +668,7 @@
           <a:p>
             <a:fld id="{C6DC6E88-8268-41DF-AB70-3C6FB3488E03}" type="datetimeFigureOut">
               <a:rPr lang="zh-TW" altLang="en-US" smtClean="0"/>
-              <a:t>2025/9/26</a:t>
+              <a:t>2025/10/28</a:t>
             </a:fld>
             <a:endParaRPr lang="zh-TW" altLang="en-US"/>
           </a:p>
@@ -867,7 +866,7 @@
           <a:p>
             <a:fld id="{C6DC6E88-8268-41DF-AB70-3C6FB3488E03}" type="datetimeFigureOut">
               <a:rPr lang="zh-TW" altLang="en-US" smtClean="0"/>
-              <a:t>2025/9/26</a:t>
+              <a:t>2025/10/28</a:t>
             </a:fld>
             <a:endParaRPr lang="zh-TW" altLang="en-US"/>
           </a:p>
@@ -1142,7 +1141,7 @@
           <a:p>
             <a:fld id="{C6DC6E88-8268-41DF-AB70-3C6FB3488E03}" type="datetimeFigureOut">
               <a:rPr lang="zh-TW" altLang="en-US" smtClean="0"/>
-              <a:t>2025/9/26</a:t>
+              <a:t>2025/10/28</a:t>
             </a:fld>
             <a:endParaRPr lang="zh-TW" altLang="en-US"/>
           </a:p>
@@ -1407,7 +1406,7 @@
           <a:p>
             <a:fld id="{C6DC6E88-8268-41DF-AB70-3C6FB3488E03}" type="datetimeFigureOut">
               <a:rPr lang="zh-TW" altLang="en-US" smtClean="0"/>
-              <a:t>2025/9/26</a:t>
+              <a:t>2025/10/28</a:t>
             </a:fld>
             <a:endParaRPr lang="zh-TW" altLang="en-US"/>
           </a:p>
@@ -1819,7 +1818,7 @@
           <a:p>
             <a:fld id="{C6DC6E88-8268-41DF-AB70-3C6FB3488E03}" type="datetimeFigureOut">
               <a:rPr lang="zh-TW" altLang="en-US" smtClean="0"/>
-              <a:t>2025/9/26</a:t>
+              <a:t>2025/10/28</a:t>
             </a:fld>
             <a:endParaRPr lang="zh-TW" altLang="en-US"/>
           </a:p>
@@ -1960,7 +1959,7 @@
           <a:p>
             <a:fld id="{C6DC6E88-8268-41DF-AB70-3C6FB3488E03}" type="datetimeFigureOut">
               <a:rPr lang="zh-TW" altLang="en-US" smtClean="0"/>
-              <a:t>2025/9/26</a:t>
+              <a:t>2025/10/28</a:t>
             </a:fld>
             <a:endParaRPr lang="zh-TW" altLang="en-US"/>
           </a:p>
@@ -2073,7 +2072,7 @@
           <a:p>
             <a:fld id="{C6DC6E88-8268-41DF-AB70-3C6FB3488E03}" type="datetimeFigureOut">
               <a:rPr lang="zh-TW" altLang="en-US" smtClean="0"/>
-              <a:t>2025/9/26</a:t>
+              <a:t>2025/10/28</a:t>
             </a:fld>
             <a:endParaRPr lang="zh-TW" altLang="en-US"/>
           </a:p>
@@ -2384,7 +2383,7 @@
           <a:p>
             <a:fld id="{C6DC6E88-8268-41DF-AB70-3C6FB3488E03}" type="datetimeFigureOut">
               <a:rPr lang="zh-TW" altLang="en-US" smtClean="0"/>
-              <a:t>2025/9/26</a:t>
+              <a:t>2025/10/28</a:t>
             </a:fld>
             <a:endParaRPr lang="zh-TW" altLang="en-US"/>
           </a:p>
@@ -2672,7 +2671,7 @@
           <a:p>
             <a:fld id="{C6DC6E88-8268-41DF-AB70-3C6FB3488E03}" type="datetimeFigureOut">
               <a:rPr lang="zh-TW" altLang="en-US" smtClean="0"/>
-              <a:t>2025/9/26</a:t>
+              <a:t>2025/10/28</a:t>
             </a:fld>
             <a:endParaRPr lang="zh-TW" altLang="en-US"/>
           </a:p>
@@ -2913,7 +2912,7 @@
           <a:p>
             <a:fld id="{C6DC6E88-8268-41DF-AB70-3C6FB3488E03}" type="datetimeFigureOut">
               <a:rPr lang="zh-TW" altLang="en-US" smtClean="0"/>
-              <a:t>2025/9/26</a:t>
+              <a:t>2025/10/28</a:t>
             </a:fld>
             <a:endParaRPr lang="zh-TW" altLang="en-US"/>
           </a:p>
@@ -4556,7 +4555,7 @@
         <p:cNvPr id="1" name="">
           <a:extLst>
             <a:ext uri="{FF2B5EF4-FFF2-40B4-BE49-F238E27FC236}">
-              <a16:creationId xmlns:a16="http://schemas.microsoft.com/office/drawing/2014/main" id="{30DDAEDB-BC1A-A86D-3A26-A6E2D70F5B96}"/>
+              <a16:creationId xmlns:a16="http://schemas.microsoft.com/office/drawing/2014/main" id="{D3D7FBE6-D1EB-1876-ED9F-85C5458CDDE9}"/>
             </a:ext>
           </a:extLst>
         </p:cNvPr>
@@ -4576,7 +4575,7 @@
           <p:cNvPr id="3" name="圖片 2">
             <a:extLst>
               <a:ext uri="{FF2B5EF4-FFF2-40B4-BE49-F238E27FC236}">
-                <a16:creationId xmlns:a16="http://schemas.microsoft.com/office/drawing/2014/main" id="{A142E478-4B8E-8540-0DEB-C0FD6E0490B1}"/>
+                <a16:creationId xmlns:a16="http://schemas.microsoft.com/office/drawing/2014/main" id="{8BF92DE8-38FC-F0A8-CFFA-44089545DD4C}"/>
               </a:ext>
             </a:extLst>
           </p:cNvPr>
@@ -4593,8 +4592,8 @@
         </p:blipFill>
         <p:spPr>
           <a:xfrm>
-            <a:off x="6130916" y="393172"/>
-            <a:ext cx="5091427" cy="6143314"/>
+            <a:off x="3330125" y="394864"/>
+            <a:ext cx="7440063" cy="6068272"/>
           </a:xfrm>
           <a:prstGeom prst="rect">
             <a:avLst/>
@@ -4606,7 +4605,7 @@
           <p:cNvPr id="4" name="文字方塊 3">
             <a:extLst>
               <a:ext uri="{FF2B5EF4-FFF2-40B4-BE49-F238E27FC236}">
-                <a16:creationId xmlns:a16="http://schemas.microsoft.com/office/drawing/2014/main" id="{71533696-D323-9663-4F89-FE04ECA41D86}"/>
+                <a16:creationId xmlns:a16="http://schemas.microsoft.com/office/drawing/2014/main" id="{945B03DC-8D6B-E116-97EE-290E657882B7}"/>
               </a:ext>
             </a:extLst>
           </p:cNvPr>
@@ -4615,8 +4614,8 @@
         </p:nvSpPr>
         <p:spPr>
           <a:xfrm>
-            <a:off x="377687" y="208722"/>
-            <a:ext cx="1089401" cy="369332"/>
+            <a:off x="765313" y="394864"/>
+            <a:ext cx="1557542" cy="369332"/>
           </a:xfrm>
           <a:prstGeom prst="rect">
             <a:avLst/>
@@ -4630,219 +4629,13 @@
           <a:lstStyle/>
           <a:p>
             <a:r>
-              <a:rPr lang="en-US" altLang="zh-TW" u="sng" dirty="0"/>
-              <a:t>PD</a:t>
-            </a:r>
-            <a:r>
-              <a:rPr lang="zh-TW" altLang="en-US" u="sng" dirty="0"/>
-              <a:t> </a:t>
-            </a:r>
-            <a:r>
-              <a:rPr lang="en-US" altLang="zh-TW" u="sng" dirty="0"/>
-              <a:t>PCBA</a:t>
-            </a:r>
-            <a:endParaRPr lang="zh-TW" altLang="en-US" u="sng" dirty="0"/>
-          </a:p>
-        </p:txBody>
-      </p:sp>
-      <p:pic>
-        <p:nvPicPr>
-          <p:cNvPr id="6" name="圖片 5">
-            <a:extLst>
-              <a:ext uri="{FF2B5EF4-FFF2-40B4-BE49-F238E27FC236}">
-                <a16:creationId xmlns:a16="http://schemas.microsoft.com/office/drawing/2014/main" id="{F395FA4E-59F6-E584-11D5-51216DD0BDA0}"/>
-              </a:ext>
-            </a:extLst>
-          </p:cNvPr>
-          <p:cNvPicPr>
-            <a:picLocks noChangeAspect="1"/>
-          </p:cNvPicPr>
-          <p:nvPr/>
-        </p:nvPicPr>
-        <p:blipFill>
-          <a:blip r:embed="rId3"/>
-          <a:stretch>
-            <a:fillRect/>
-          </a:stretch>
-        </p:blipFill>
-        <p:spPr>
-          <a:xfrm>
-            <a:off x="617049" y="3464829"/>
-            <a:ext cx="4869943" cy="3107487"/>
-          </a:xfrm>
-          <a:prstGeom prst="rect">
-            <a:avLst/>
-          </a:prstGeom>
-        </p:spPr>
-      </p:pic>
-      <p:sp>
-        <p:nvSpPr>
-          <p:cNvPr id="7" name="文字方塊 6">
-            <a:extLst>
-              <a:ext uri="{FF2B5EF4-FFF2-40B4-BE49-F238E27FC236}">
-                <a16:creationId xmlns:a16="http://schemas.microsoft.com/office/drawing/2014/main" id="{DD3CD07F-2FEE-E590-270B-DD3F433F535B}"/>
-              </a:ext>
-            </a:extLst>
-          </p:cNvPr>
-          <p:cNvSpPr txBox="1"/>
-          <p:nvPr/>
-        </p:nvSpPr>
-        <p:spPr>
-          <a:xfrm>
-            <a:off x="6287566" y="4432853"/>
-            <a:ext cx="460382" cy="276999"/>
-          </a:xfrm>
-          <a:prstGeom prst="rect">
-            <a:avLst/>
-          </a:prstGeom>
-          <a:noFill/>
-        </p:spPr>
-        <p:txBody>
-          <a:bodyPr wrap="none" rtlCol="0">
-            <a:spAutoFit/>
-          </a:bodyPr>
-          <a:lstStyle/>
-          <a:p>
-            <a:r>
-              <a:rPr lang="en-US" altLang="zh-TW" sz="1200" dirty="0">
-                <a:solidFill>
-                  <a:srgbClr val="FFFF00"/>
-                </a:solidFill>
-              </a:rPr>
-              <a:t>PD1</a:t>
-            </a:r>
-            <a:endParaRPr lang="zh-TW" altLang="en-US" sz="1200" dirty="0">
-              <a:solidFill>
-                <a:srgbClr val="FFFF00"/>
-              </a:solidFill>
-            </a:endParaRPr>
-          </a:p>
-        </p:txBody>
-      </p:sp>
-      <p:sp>
-        <p:nvSpPr>
-          <p:cNvPr id="8" name="文字方塊 7">
-            <a:extLst>
-              <a:ext uri="{FF2B5EF4-FFF2-40B4-BE49-F238E27FC236}">
-                <a16:creationId xmlns:a16="http://schemas.microsoft.com/office/drawing/2014/main" id="{87BE6B61-7DAD-9C5A-570B-0E9FFCC269A4}"/>
-              </a:ext>
-            </a:extLst>
-          </p:cNvPr>
-          <p:cNvSpPr txBox="1"/>
-          <p:nvPr/>
-        </p:nvSpPr>
-        <p:spPr>
-          <a:xfrm>
-            <a:off x="6287566" y="2935357"/>
-            <a:ext cx="460382" cy="276999"/>
-          </a:xfrm>
-          <a:prstGeom prst="rect">
-            <a:avLst/>
-          </a:prstGeom>
-          <a:noFill/>
-        </p:spPr>
-        <p:txBody>
-          <a:bodyPr wrap="none" rtlCol="0">
-            <a:spAutoFit/>
-          </a:bodyPr>
-          <a:lstStyle/>
-          <a:p>
-            <a:r>
-              <a:rPr lang="en-US" altLang="zh-TW" sz="1200" dirty="0">
-                <a:solidFill>
-                  <a:srgbClr val="FFFF00"/>
-                </a:solidFill>
-              </a:rPr>
-              <a:t>PD2</a:t>
-            </a:r>
-            <a:endParaRPr lang="zh-TW" altLang="en-US" sz="1200" dirty="0">
-              <a:solidFill>
-                <a:srgbClr val="FFFF00"/>
-              </a:solidFill>
-            </a:endParaRPr>
-          </a:p>
-        </p:txBody>
-      </p:sp>
-      <p:sp>
-        <p:nvSpPr>
-          <p:cNvPr id="9" name="文字方塊 8">
-            <a:extLst>
-              <a:ext uri="{FF2B5EF4-FFF2-40B4-BE49-F238E27FC236}">
-                <a16:creationId xmlns:a16="http://schemas.microsoft.com/office/drawing/2014/main" id="{9E51529D-AF93-AA5C-C991-8B4BC678F597}"/>
-              </a:ext>
-            </a:extLst>
-          </p:cNvPr>
-          <p:cNvSpPr txBox="1"/>
-          <p:nvPr/>
-        </p:nvSpPr>
-        <p:spPr>
-          <a:xfrm>
-            <a:off x="6410148" y="1387265"/>
-            <a:ext cx="460382" cy="276999"/>
-          </a:xfrm>
-          <a:prstGeom prst="rect">
-            <a:avLst/>
-          </a:prstGeom>
-          <a:noFill/>
-        </p:spPr>
-        <p:txBody>
-          <a:bodyPr wrap="none" rtlCol="0">
-            <a:spAutoFit/>
-          </a:bodyPr>
-          <a:lstStyle/>
-          <a:p>
-            <a:r>
-              <a:rPr lang="en-US" altLang="zh-TW" sz="1200" dirty="0">
-                <a:solidFill>
-                  <a:srgbClr val="FFFF00"/>
-                </a:solidFill>
-              </a:rPr>
-              <a:t>PD3</a:t>
-            </a:r>
-            <a:endParaRPr lang="zh-TW" altLang="en-US" sz="1200" dirty="0">
-              <a:solidFill>
-                <a:srgbClr val="FFFF00"/>
-              </a:solidFill>
-            </a:endParaRPr>
-          </a:p>
-        </p:txBody>
-      </p:sp>
-    </p:spTree>
-    <p:extLst>
-      <p:ext uri="{BB962C8B-B14F-4D97-AF65-F5344CB8AC3E}">
-        <p14:creationId xmlns:p14="http://schemas.microsoft.com/office/powerpoint/2010/main" val="4234691776"/>
-      </p:ext>
-    </p:extLst>
-  </p:cSld>
-  <p:clrMapOvr>
-    <a:masterClrMapping/>
-  </p:clrMapOvr>
-</p:sld>
-</file>
-
-<file path=ppt/slides/slide4.xml><?xml version="1.0" encoding="utf-8"?>
-<p:sld xmlns:a="http://schemas.openxmlformats.org/drawingml/2006/main" xmlns:r="http://schemas.openxmlformats.org/officeDocument/2006/relationships" xmlns:p="http://schemas.openxmlformats.org/presentationml/2006/main">
-  <p:cSld>
-    <p:spTree>
-      <p:nvGrpSpPr>
-        <p:cNvPr id="1" name="">
-          <a:extLst>
-            <a:ext uri="{FF2B5EF4-FFF2-40B4-BE49-F238E27FC236}">
-              <a16:creationId xmlns:a16="http://schemas.microsoft.com/office/drawing/2014/main" id="{D3D7FBE6-D1EB-1876-ED9F-85C5458CDDE9}"/>
-            </a:ext>
-          </a:extLst>
-        </p:cNvPr>
-        <p:cNvGrpSpPr/>
-        <p:nvPr/>
-      </p:nvGrpSpPr>
-      <p:grpSpPr>
-        <a:xfrm>
-          <a:off x="0" y="0"/>
-          <a:ext cx="0" cy="0"/>
-          <a:chOff x="0" y="0"/>
-          <a:chExt cx="0" cy="0"/>
-        </a:xfrm>
-      </p:grpSpPr>
+              <a:rPr lang="en-US" altLang="zh-TW" dirty="0"/>
+              <a:t>Sensor Frame</a:t>
+            </a:r>
+            <a:endParaRPr lang="zh-TW" altLang="en-US" dirty="0"/>
+          </a:p>
+        </p:txBody>
+      </p:sp>
     </p:spTree>
     <p:extLst>
       <p:ext uri="{BB962C8B-B14F-4D97-AF65-F5344CB8AC3E}">
@@ -4856,7 +4649,7 @@
 </p:sld>
 </file>
 
-<file path=ppt/slides/slide5.xml><?xml version="1.0" encoding="utf-8"?>
+<file path=ppt/slides/slide4.xml><?xml version="1.0" encoding="utf-8"?>
 <p:sld xmlns:a="http://schemas.openxmlformats.org/drawingml/2006/main" xmlns:r="http://schemas.openxmlformats.org/officeDocument/2006/relationships" xmlns:p="http://schemas.openxmlformats.org/presentationml/2006/main">
   <p:cSld>
     <p:spTree>
